--- a/Präsentation.pptx
+++ b/Präsentation.pptx
@@ -5,11 +5,12 @@
     <p:sldMasterId id="2147483672" r:id="rId1"/>
   </p:sldMasterIdLst>
   <p:notesMasterIdLst>
-    <p:notesMasterId r:id="rId4"/>
+    <p:notesMasterId r:id="rId5"/>
   </p:notesMasterIdLst>
   <p:sldIdLst>
     <p:sldId id="256" r:id="rId2"/>
     <p:sldId id="257" r:id="rId3"/>
+    <p:sldId id="258" r:id="rId4"/>
   </p:sldIdLst>
   <p:sldSz cx="12192000" cy="6858000"/>
   <p:notesSz cx="6858000" cy="9144000"/>
@@ -123,6 +124,9 @@
         </p15:guide>
       </p15:sldGuideLst>
     </p:ext>
+    <p:ext uri="{2D200454-40CA-4A62-9FC3-DE9A4176ACB9}">
+      <p15:notesGuideLst xmlns:p15="http://schemas.microsoft.com/office/powerpoint/2012/main"/>
+    </p:ext>
   </p:extLst>
 </p:presentation>
 </file>
@@ -209,7 +213,7 @@
           <a:p>
             <a:fld id="{3EB07D26-85A9-4CEA-B6D5-50E0763409D6}" type="datetimeFigureOut">
               <a:rPr lang="de-AT" smtClean="0"/>
-              <a:t>29.11.2016</a:t>
+              <a:t>30.11.2016</a:t>
             </a:fld>
             <a:endParaRPr lang="de-AT"/>
           </a:p>
@@ -634,6 +638,478 @@
 </p:notes>
 </file>
 
+<file path=ppt/notesSlides/notesSlide2.xml><?xml version="1.0" encoding="utf-8"?>
+<p:notes xmlns:a="http://schemas.openxmlformats.org/drawingml/2006/main" xmlns:r="http://schemas.openxmlformats.org/officeDocument/2006/relationships" xmlns:p="http://schemas.openxmlformats.org/presentationml/2006/main">
+  <p:cSld>
+    <p:spTree>
+      <p:nvGrpSpPr>
+        <p:cNvPr id="1" name=""/>
+        <p:cNvGrpSpPr/>
+        <p:nvPr/>
+      </p:nvGrpSpPr>
+      <p:grpSpPr>
+        <a:xfrm>
+          <a:off x="0" y="0"/>
+          <a:ext cx="0" cy="0"/>
+          <a:chOff x="0" y="0"/>
+          <a:chExt cx="0" cy="0"/>
+        </a:xfrm>
+      </p:grpSpPr>
+      <p:sp>
+        <p:nvSpPr>
+          <p:cNvPr id="2" name="Slide Image Placeholder 1"/>
+          <p:cNvSpPr>
+            <a:spLocks noGrp="1" noRot="1" noChangeAspect="1"/>
+          </p:cNvSpPr>
+          <p:nvPr>
+            <p:ph type="sldImg"/>
+          </p:nvPr>
+        </p:nvSpPr>
+        <p:spPr/>
+      </p:sp>
+      <p:sp>
+        <p:nvSpPr>
+          <p:cNvPr id="3" name="Notes Placeholder 2"/>
+          <p:cNvSpPr>
+            <a:spLocks noGrp="1"/>
+          </p:cNvSpPr>
+          <p:nvPr>
+            <p:ph type="body" idx="1"/>
+          </p:nvPr>
+        </p:nvSpPr>
+        <p:spPr/>
+        <p:txBody>
+          <a:bodyPr/>
+          <a:lstStyle/>
+          <a:p>
+            <a:pPr marL="0" marR="0" lvl="0" indent="0" algn="l" defTabSz="914400" rtl="0" eaLnBrk="1" fontAlgn="auto" latinLnBrk="0" hangingPunct="1">
+              <a:lnSpc>
+                <a:spcPct val="100000"/>
+              </a:lnSpc>
+              <a:spcBef>
+                <a:spcPts val="0"/>
+              </a:spcBef>
+              <a:spcAft>
+                <a:spcPts val="0"/>
+              </a:spcAft>
+              <a:buClrTx/>
+              <a:buSzTx/>
+              <a:buFontTx/>
+              <a:buNone/>
+              <a:tabLst/>
+              <a:defRPr/>
+            </a:pPr>
+            <a:r>
+              <a:rPr lang="de-AT" sz="1200" b="1" dirty="0">
+                <a:effectLst/>
+              </a:rPr>
+              <a:t>Single-</a:t>
+            </a:r>
+            <a:r>
+              <a:rPr lang="de-AT" sz="1200" b="1" dirty="0" err="1">
+                <a:effectLst/>
+              </a:rPr>
+              <a:t>Responsibility</a:t>
+            </a:r>
+            <a:r>
+              <a:rPr lang="de-AT" sz="1200" b="1" dirty="0">
+                <a:effectLst/>
+              </a:rPr>
+              <a:t>-Prinzip</a:t>
+            </a:r>
+            <a:r>
+              <a:rPr lang="de-AT" sz="1200" baseline="0" dirty="0"/>
+              <a:t> – jede Klasse eine Aufgabe</a:t>
+            </a:r>
+          </a:p>
+          <a:p>
+            <a:pPr marL="0" marR="0" lvl="0" indent="0" algn="l" defTabSz="914400" rtl="0" eaLnBrk="1" fontAlgn="auto" latinLnBrk="0" hangingPunct="1">
+              <a:lnSpc>
+                <a:spcPct val="100000"/>
+              </a:lnSpc>
+              <a:spcBef>
+                <a:spcPts val="0"/>
+              </a:spcBef>
+              <a:spcAft>
+                <a:spcPts val="0"/>
+              </a:spcAft>
+              <a:buClrTx/>
+              <a:buSzTx/>
+              <a:buFontTx/>
+              <a:buNone/>
+              <a:tabLst/>
+              <a:defRPr/>
+            </a:pPr>
+            <a:r>
+              <a:rPr lang="de-AT" sz="1200" b="1" u="none" baseline="0" dirty="0"/>
+              <a:t>Open-</a:t>
+            </a:r>
+            <a:r>
+              <a:rPr lang="de-AT" sz="1200" b="1" u="none" baseline="0" dirty="0" err="1"/>
+              <a:t>Closed</a:t>
+            </a:r>
+            <a:r>
+              <a:rPr lang="de-AT" sz="1200" b="1" u="none" baseline="0" dirty="0"/>
+              <a:t>-Prinzip</a:t>
+            </a:r>
+            <a:r>
+              <a:rPr lang="de-AT" sz="1200" baseline="0" dirty="0"/>
+              <a:t> – </a:t>
+            </a:r>
+            <a:r>
+              <a:rPr lang="en-GB" sz="1200" baseline="0" dirty="0" err="1"/>
+              <a:t>Offen</a:t>
+            </a:r>
+            <a:r>
+              <a:rPr lang="en-GB" sz="1200" baseline="0" dirty="0"/>
+              <a:t> </a:t>
+            </a:r>
+            <a:r>
+              <a:rPr lang="en-GB" sz="1200" baseline="0" dirty="0" err="1"/>
+              <a:t>für</a:t>
+            </a:r>
+            <a:r>
+              <a:rPr lang="en-GB" sz="1200" baseline="0" dirty="0"/>
+              <a:t> </a:t>
+            </a:r>
+            <a:r>
+              <a:rPr lang="en-GB" sz="1200" baseline="0" dirty="0" err="1"/>
+              <a:t>Erweiterungen</a:t>
+            </a:r>
+            <a:r>
+              <a:rPr lang="en-GB" sz="1200" baseline="0" dirty="0"/>
+              <a:t> </a:t>
+            </a:r>
+            <a:r>
+              <a:rPr lang="en-GB" sz="1200" baseline="0" dirty="0" err="1"/>
+              <a:t>geschlossen</a:t>
+            </a:r>
+            <a:r>
+              <a:rPr lang="en-GB" sz="1200" baseline="0" dirty="0"/>
+              <a:t> </a:t>
+            </a:r>
+            <a:r>
+              <a:rPr lang="en-GB" sz="1200" baseline="0" dirty="0" err="1"/>
+              <a:t>für</a:t>
+            </a:r>
+            <a:r>
+              <a:rPr lang="en-GB" sz="1200" baseline="0" dirty="0"/>
+              <a:t> </a:t>
+            </a:r>
+            <a:r>
+              <a:rPr lang="en-GB" sz="1200" baseline="0" dirty="0" err="1"/>
+              <a:t>Modifikationen</a:t>
+            </a:r>
+            <a:r>
+              <a:rPr lang="en-GB" sz="1200" baseline="0" dirty="0"/>
+              <a:t>, </a:t>
+            </a:r>
+            <a:r>
+              <a:rPr lang="en-GB" sz="1200" baseline="0" dirty="0" err="1"/>
+              <a:t>geschlossen</a:t>
+            </a:r>
+            <a:r>
+              <a:rPr lang="en-GB" sz="1200" baseline="0" dirty="0"/>
+              <a:t> </a:t>
+            </a:r>
+            <a:r>
+              <a:rPr lang="en-GB" sz="1200" baseline="0" dirty="0" err="1"/>
+              <a:t>weil</a:t>
+            </a:r>
+            <a:r>
+              <a:rPr lang="en-GB" sz="1200" baseline="0" dirty="0"/>
+              <a:t> </a:t>
+            </a:r>
+            <a:r>
+              <a:rPr lang="en-GB" sz="1200" baseline="0" dirty="0" err="1"/>
+              <a:t>fertig</a:t>
+            </a:r>
+            <a:r>
+              <a:rPr lang="en-GB" sz="1200" baseline="0" dirty="0"/>
+              <a:t> </a:t>
+            </a:r>
+            <a:r>
+              <a:rPr lang="en-GB" sz="1200" baseline="0" dirty="0" err="1"/>
+              <a:t>entwickelt</a:t>
+            </a:r>
+            <a:r>
+              <a:rPr lang="en-GB" sz="1200" baseline="0" dirty="0"/>
+              <a:t> und </a:t>
+            </a:r>
+            <a:r>
+              <a:rPr lang="en-GB" sz="1200" baseline="0" dirty="0" err="1"/>
+              <a:t>getestet</a:t>
+            </a:r>
+            <a:endParaRPr lang="en-GB" sz="1200" baseline="0" dirty="0"/>
+          </a:p>
+          <a:p>
+            <a:pPr marL="0" marR="0" lvl="0" indent="0" algn="l" defTabSz="914400" rtl="0" eaLnBrk="1" fontAlgn="auto" latinLnBrk="0" hangingPunct="1">
+              <a:lnSpc>
+                <a:spcPct val="100000"/>
+              </a:lnSpc>
+              <a:spcBef>
+                <a:spcPts val="0"/>
+              </a:spcBef>
+              <a:spcAft>
+                <a:spcPts val="0"/>
+              </a:spcAft>
+              <a:buClrTx/>
+              <a:buSzTx/>
+              <a:buFontTx/>
+              <a:buNone/>
+              <a:tabLst/>
+              <a:defRPr/>
+            </a:pPr>
+            <a:r>
+              <a:rPr lang="en-GB" sz="1200" b="1" baseline="0" dirty="0" err="1"/>
+              <a:t>Liskov</a:t>
+            </a:r>
+            <a:r>
+              <a:rPr lang="en-GB" sz="1200" b="1" baseline="0" dirty="0"/>
+              <a:t> Substitution Principle</a:t>
+            </a:r>
+            <a:r>
+              <a:rPr lang="en-GB" sz="1200" b="0" baseline="0" dirty="0"/>
+              <a:t> - </a:t>
+            </a:r>
+            <a:r>
+              <a:rPr lang="de-AT" sz="1200" b="0" baseline="0" dirty="0"/>
+              <a:t>Operationen der Superklasse die auf ein Objekt der Subklasse angewendet werden, auch korrekt ausgeführt werden, nicht überraschen</a:t>
+            </a:r>
+          </a:p>
+          <a:p>
+            <a:pPr marL="0" marR="0" lvl="0" indent="0" algn="l" defTabSz="914400" rtl="0" eaLnBrk="1" fontAlgn="auto" latinLnBrk="0" hangingPunct="1">
+              <a:lnSpc>
+                <a:spcPct val="100000"/>
+              </a:lnSpc>
+              <a:spcBef>
+                <a:spcPts val="0"/>
+              </a:spcBef>
+              <a:spcAft>
+                <a:spcPts val="0"/>
+              </a:spcAft>
+              <a:buClrTx/>
+              <a:buSzTx/>
+              <a:buFontTx/>
+              <a:buNone/>
+              <a:tabLst/>
+              <a:defRPr/>
+            </a:pPr>
+            <a:r>
+              <a:rPr lang="en-GB" sz="1200" b="1" baseline="0" dirty="0"/>
+              <a:t>Interface Segregation Principle</a:t>
+            </a:r>
+            <a:r>
+              <a:rPr lang="en-GB" sz="1200" b="0" baseline="0" dirty="0"/>
+              <a:t> – </a:t>
+            </a:r>
+            <a:r>
+              <a:rPr lang="en-GB" sz="1200" b="0" baseline="0" dirty="0" err="1"/>
+              <a:t>zu</a:t>
+            </a:r>
+            <a:r>
+              <a:rPr lang="en-GB" sz="1200" b="0" baseline="0" dirty="0"/>
+              <a:t> </a:t>
+            </a:r>
+            <a:r>
+              <a:rPr lang="en-GB" sz="1200" b="0" baseline="0" dirty="0" err="1"/>
+              <a:t>große</a:t>
+            </a:r>
+            <a:r>
+              <a:rPr lang="en-GB" sz="1200" b="0" baseline="0" dirty="0"/>
+              <a:t> Interfaces </a:t>
+            </a:r>
+            <a:r>
+              <a:rPr lang="en-GB" sz="1200" b="0" baseline="0" dirty="0" err="1"/>
+              <a:t>aufzuteilen</a:t>
+            </a:r>
+            <a:r>
+              <a:rPr lang="en-GB" sz="1200" b="0" baseline="0" dirty="0"/>
+              <a:t> und </a:t>
+            </a:r>
+            <a:r>
+              <a:rPr lang="en-GB" sz="1200" b="0" baseline="0" dirty="0" err="1"/>
+              <a:t>und</a:t>
+            </a:r>
+            <a:r>
+              <a:rPr lang="en-GB" sz="1200" b="0" baseline="0" dirty="0"/>
+              <a:t> den </a:t>
+            </a:r>
+            <a:r>
+              <a:rPr lang="en-GB" sz="1200" b="0" baseline="0" dirty="0" err="1"/>
+              <a:t>Anforderungen</a:t>
+            </a:r>
+            <a:r>
+              <a:rPr lang="en-GB" sz="1200" b="0" baseline="0" dirty="0"/>
+              <a:t> der Clients </a:t>
+            </a:r>
+            <a:r>
+              <a:rPr lang="en-GB" sz="1200" b="0" baseline="0" dirty="0" err="1"/>
+              <a:t>angepasst</a:t>
+            </a:r>
+            <a:r>
+              <a:rPr lang="en-GB" sz="1200" b="0" baseline="0" dirty="0"/>
+              <a:t> warden</a:t>
+            </a:r>
+          </a:p>
+          <a:p>
+            <a:pPr marL="0" marR="0" lvl="0" indent="0" algn="l" defTabSz="914400" rtl="0" eaLnBrk="1" fontAlgn="auto" latinLnBrk="0" hangingPunct="1">
+              <a:lnSpc>
+                <a:spcPct val="100000"/>
+              </a:lnSpc>
+              <a:spcBef>
+                <a:spcPts val="0"/>
+              </a:spcBef>
+              <a:spcAft>
+                <a:spcPts val="0"/>
+              </a:spcAft>
+              <a:buClrTx/>
+              <a:buSzTx/>
+              <a:buFontTx/>
+              <a:buNone/>
+              <a:tabLst/>
+              <a:defRPr/>
+            </a:pPr>
+            <a:r>
+              <a:rPr lang="en-GB" sz="1200" b="1" baseline="0" dirty="0"/>
+              <a:t>Dependency Inversion Principle</a:t>
+            </a:r>
+            <a:r>
+              <a:rPr lang="en-GB" sz="1200" b="0" baseline="0" dirty="0"/>
+              <a:t> – </a:t>
+            </a:r>
+            <a:r>
+              <a:rPr lang="en-GB" sz="1200" b="0" baseline="0" dirty="0" err="1"/>
+              <a:t>Reduktion</a:t>
+            </a:r>
+            <a:r>
+              <a:rPr lang="en-GB" sz="1200" b="0" baseline="0" dirty="0"/>
+              <a:t> der </a:t>
+            </a:r>
+            <a:r>
+              <a:rPr lang="en-GB" sz="1200" b="0" baseline="0" dirty="0" err="1"/>
+              <a:t>Kopplung</a:t>
+            </a:r>
+            <a:r>
+              <a:rPr lang="en-GB" sz="1200" b="0" baseline="0" dirty="0"/>
+              <a:t> und </a:t>
+            </a:r>
+            <a:r>
+              <a:rPr lang="en-GB" sz="1200" b="0" baseline="0" dirty="0" err="1"/>
+              <a:t>hohe</a:t>
+            </a:r>
+            <a:r>
+              <a:rPr lang="en-GB" sz="1200" b="0" baseline="0" dirty="0"/>
+              <a:t> </a:t>
+            </a:r>
+            <a:r>
+              <a:rPr lang="en-GB" sz="1200" b="0" baseline="0" dirty="0" err="1"/>
+              <a:t>Kohäsion</a:t>
+            </a:r>
+            <a:endParaRPr lang="en-GB" sz="1200" b="0" baseline="0" dirty="0"/>
+          </a:p>
+          <a:p>
+            <a:pPr marL="0" marR="0" lvl="0" indent="0" algn="l" defTabSz="914400" rtl="0" eaLnBrk="1" fontAlgn="auto" latinLnBrk="0" hangingPunct="1">
+              <a:lnSpc>
+                <a:spcPct val="100000"/>
+              </a:lnSpc>
+              <a:spcBef>
+                <a:spcPts val="0"/>
+              </a:spcBef>
+              <a:spcAft>
+                <a:spcPts val="0"/>
+              </a:spcAft>
+              <a:buClrTx/>
+              <a:buSzTx/>
+              <a:buFontTx/>
+              <a:buNone/>
+              <a:tabLst/>
+              <a:defRPr/>
+            </a:pPr>
+            <a:r>
+              <a:rPr lang="en-GB" sz="1200" b="0" baseline="0" dirty="0"/>
+              <a:t>asp.net und </a:t>
+            </a:r>
+            <a:r>
+              <a:rPr lang="en-GB" sz="1200" b="0" baseline="0" dirty="0" err="1"/>
+              <a:t>andere</a:t>
+            </a:r>
+            <a:r>
+              <a:rPr lang="en-GB" sz="1200" b="0" baseline="0" dirty="0"/>
+              <a:t> </a:t>
+            </a:r>
+            <a:r>
+              <a:rPr lang="en-GB" sz="1200" b="0" u="sng" baseline="0" dirty="0"/>
+              <a:t>Frameworks </a:t>
+            </a:r>
+            <a:r>
+              <a:rPr lang="en-GB" sz="1200" b="0" baseline="0" dirty="0" err="1"/>
+              <a:t>verwenden</a:t>
+            </a:r>
+            <a:r>
+              <a:rPr lang="en-GB" sz="1200" b="0" baseline="0" dirty="0"/>
+              <a:t> MVC</a:t>
+            </a:r>
+            <a:endParaRPr lang="en-GB" sz="1200" b="1" baseline="0" dirty="0"/>
+          </a:p>
+          <a:p>
+            <a:pPr marL="0" marR="0" lvl="0" indent="0" algn="l" defTabSz="914400" rtl="0" eaLnBrk="1" fontAlgn="auto" latinLnBrk="0" hangingPunct="1">
+              <a:lnSpc>
+                <a:spcPct val="100000"/>
+              </a:lnSpc>
+              <a:spcBef>
+                <a:spcPts val="0"/>
+              </a:spcBef>
+              <a:spcAft>
+                <a:spcPts val="0"/>
+              </a:spcAft>
+              <a:buClrTx/>
+              <a:buSzTx/>
+              <a:buFontTx/>
+              <a:buNone/>
+              <a:tabLst/>
+              <a:defRPr/>
+            </a:pPr>
+            <a:endParaRPr lang="de-AT" sz="1200" b="1" baseline="0" dirty="0"/>
+          </a:p>
+        </p:txBody>
+      </p:sp>
+      <p:sp>
+        <p:nvSpPr>
+          <p:cNvPr id="4" name="Slide Number Placeholder 3"/>
+          <p:cNvSpPr>
+            <a:spLocks noGrp="1"/>
+          </p:cNvSpPr>
+          <p:nvPr>
+            <p:ph type="sldNum" sz="quarter" idx="10"/>
+          </p:nvPr>
+        </p:nvSpPr>
+        <p:spPr/>
+        <p:txBody>
+          <a:bodyPr/>
+          <a:lstStyle/>
+          <a:p>
+            <a:fld id="{80BB91FF-D195-4687-987F-953355DAAC36}" type="slidenum">
+              <a:rPr lang="de-AT" smtClean="0"/>
+              <a:t>3</a:t>
+            </a:fld>
+            <a:endParaRPr lang="de-AT"/>
+          </a:p>
+        </p:txBody>
+      </p:sp>
+    </p:spTree>
+    <p:extLst>
+      <p:ext uri="{BB962C8B-B14F-4D97-AF65-F5344CB8AC3E}">
+        <p14:creationId xmlns:p14="http://schemas.microsoft.com/office/powerpoint/2010/main" val="3439437557"/>
+      </p:ext>
+    </p:extLst>
+  </p:cSld>
+  <p:clrMapOvr>
+    <a:masterClrMapping/>
+  </p:clrMapOvr>
+</p:notes>
+</file>
+
 <file path=ppt/slideLayouts/slideLayout1.xml><?xml version="1.0" encoding="utf-8"?>
 <p:sldLayout xmlns:a="http://schemas.openxmlformats.org/drawingml/2006/main" xmlns:r="http://schemas.openxmlformats.org/officeDocument/2006/relationships" xmlns:p="http://schemas.openxmlformats.org/presentationml/2006/main" showMasterSp="0" type="title" preserve="1">
   <p:cSld name="Title Slide">
@@ -860,7 +1336,7 @@
           <a:p>
             <a:fld id="{624E76BA-7E7A-4125-86D8-A1914A70B29A}" type="datetimeFigureOut">
               <a:rPr lang="de-AT" smtClean="0"/>
-              <a:t>29.11.2016</a:t>
+              <a:t>30.11.2016</a:t>
             </a:fld>
             <a:endParaRPr lang="de-AT"/>
           </a:p>
@@ -1068,7 +1544,7 @@
           <a:p>
             <a:fld id="{624E76BA-7E7A-4125-86D8-A1914A70B29A}" type="datetimeFigureOut">
               <a:rPr lang="de-AT" smtClean="0"/>
-              <a:t>29.11.2016</a:t>
+              <a:t>30.11.2016</a:t>
             </a:fld>
             <a:endParaRPr lang="de-AT"/>
           </a:p>
@@ -1324,7 +1800,7 @@
           <a:p>
             <a:fld id="{624E76BA-7E7A-4125-86D8-A1914A70B29A}" type="datetimeFigureOut">
               <a:rPr lang="de-AT" smtClean="0"/>
-              <a:t>29.11.2016</a:t>
+              <a:t>30.11.2016</a:t>
             </a:fld>
             <a:endParaRPr lang="de-AT"/>
           </a:p>
@@ -1494,7 +1970,7 @@
           <a:p>
             <a:fld id="{624E76BA-7E7A-4125-86D8-A1914A70B29A}" type="datetimeFigureOut">
               <a:rPr lang="de-AT" smtClean="0"/>
-              <a:t>29.11.2016</a:t>
+              <a:t>30.11.2016</a:t>
             </a:fld>
             <a:endParaRPr lang="de-AT"/>
           </a:p>
@@ -1837,7 +2313,7 @@
           <a:p>
             <a:fld id="{624E76BA-7E7A-4125-86D8-A1914A70B29A}" type="datetimeFigureOut">
               <a:rPr lang="de-AT" smtClean="0"/>
-              <a:t>29.11.2016</a:t>
+              <a:t>30.11.2016</a:t>
             </a:fld>
             <a:endParaRPr lang="de-AT"/>
           </a:p>
@@ -2112,7 +2588,7 @@
           <a:p>
             <a:fld id="{624E76BA-7E7A-4125-86D8-A1914A70B29A}" type="datetimeFigureOut">
               <a:rPr lang="de-AT" smtClean="0"/>
-              <a:t>29.11.2016</a:t>
+              <a:t>30.11.2016</a:t>
             </a:fld>
             <a:endParaRPr lang="de-AT"/>
           </a:p>
@@ -2491,7 +2967,7 @@
           <a:p>
             <a:fld id="{624E76BA-7E7A-4125-86D8-A1914A70B29A}" type="datetimeFigureOut">
               <a:rPr lang="de-AT" smtClean="0"/>
-              <a:t>29.11.2016</a:t>
+              <a:t>30.11.2016</a:t>
             </a:fld>
             <a:endParaRPr lang="de-AT"/>
           </a:p>
@@ -2609,7 +3085,7 @@
           <a:p>
             <a:fld id="{624E76BA-7E7A-4125-86D8-A1914A70B29A}" type="datetimeFigureOut">
               <a:rPr lang="de-AT" smtClean="0"/>
-              <a:t>29.11.2016</a:t>
+              <a:t>30.11.2016</a:t>
             </a:fld>
             <a:endParaRPr lang="de-AT"/>
           </a:p>
@@ -2780,7 +3256,7 @@
           <a:p>
             <a:fld id="{624E76BA-7E7A-4125-86D8-A1914A70B29A}" type="datetimeFigureOut">
               <a:rPr lang="de-AT" smtClean="0"/>
-              <a:t>29.11.2016</a:t>
+              <a:t>30.11.2016</a:t>
             </a:fld>
             <a:endParaRPr lang="de-AT"/>
           </a:p>
@@ -3134,7 +3610,7 @@
           <a:p>
             <a:fld id="{624E76BA-7E7A-4125-86D8-A1914A70B29A}" type="datetimeFigureOut">
               <a:rPr lang="de-AT" smtClean="0"/>
-              <a:t>29.11.2016</a:t>
+              <a:t>30.11.2016</a:t>
             </a:fld>
             <a:endParaRPr lang="de-AT"/>
           </a:p>
@@ -3511,7 +3987,7 @@
           <a:p>
             <a:fld id="{624E76BA-7E7A-4125-86D8-A1914A70B29A}" type="datetimeFigureOut">
               <a:rPr lang="de-AT" smtClean="0"/>
-              <a:t>29.11.2016</a:t>
+              <a:t>30.11.2016</a:t>
             </a:fld>
             <a:endParaRPr lang="de-AT"/>
           </a:p>
@@ -3798,7 +4274,7 @@
           <a:p>
             <a:fld id="{624E76BA-7E7A-4125-86D8-A1914A70B29A}" type="datetimeFigureOut">
               <a:rPr lang="de-AT" smtClean="0"/>
-              <a:t>29.11.2016</a:t>
+              <a:t>30.11.2016</a:t>
             </a:fld>
             <a:endParaRPr lang="de-AT"/>
           </a:p>
@@ -4558,6 +5034,166 @@
     <p:extLst>
       <p:ext uri="{BB962C8B-B14F-4D97-AF65-F5344CB8AC3E}">
         <p14:creationId xmlns:p14="http://schemas.microsoft.com/office/powerpoint/2010/main" val="4163555011"/>
+      </p:ext>
+    </p:extLst>
+  </p:cSld>
+  <p:clrMapOvr>
+    <a:masterClrMapping/>
+  </p:clrMapOvr>
+</p:sld>
+</file>
+
+<file path=ppt/slides/slide3.xml><?xml version="1.0" encoding="utf-8"?>
+<p:sld xmlns:a="http://schemas.openxmlformats.org/drawingml/2006/main" xmlns:r="http://schemas.openxmlformats.org/officeDocument/2006/relationships" xmlns:p="http://schemas.openxmlformats.org/presentationml/2006/main">
+  <p:cSld>
+    <p:spTree>
+      <p:nvGrpSpPr>
+        <p:cNvPr id="1" name=""/>
+        <p:cNvGrpSpPr/>
+        <p:nvPr/>
+      </p:nvGrpSpPr>
+      <p:grpSpPr>
+        <a:xfrm>
+          <a:off x="0" y="0"/>
+          <a:ext cx="0" cy="0"/>
+          <a:chOff x="0" y="0"/>
+          <a:chExt cx="0" cy="0"/>
+        </a:xfrm>
+      </p:grpSpPr>
+      <p:sp>
+        <p:nvSpPr>
+          <p:cNvPr id="2" name="Title 1"/>
+          <p:cNvSpPr>
+            <a:spLocks noGrp="1"/>
+          </p:cNvSpPr>
+          <p:nvPr>
+            <p:ph type="title"/>
+          </p:nvPr>
+        </p:nvSpPr>
+        <p:spPr/>
+        <p:txBody>
+          <a:bodyPr/>
+          <a:lstStyle/>
+          <a:p>
+            <a:r>
+              <a:rPr lang="en-GB" dirty="0"/>
+              <a:t>Solid Prinzipien</a:t>
+            </a:r>
+            <a:endParaRPr lang="de-AT" dirty="0"/>
+          </a:p>
+        </p:txBody>
+      </p:sp>
+      <p:sp>
+        <p:nvSpPr>
+          <p:cNvPr id="3" name="Content Placeholder 2"/>
+          <p:cNvSpPr>
+            <a:spLocks noGrp="1"/>
+          </p:cNvSpPr>
+          <p:nvPr>
+            <p:ph idx="1"/>
+          </p:nvPr>
+        </p:nvSpPr>
+        <p:spPr/>
+        <p:txBody>
+          <a:bodyPr>
+            <a:normAutofit/>
+          </a:bodyPr>
+          <a:lstStyle/>
+          <a:p>
+            <a:r>
+              <a:rPr lang="de-AT" sz="2600" b="1" dirty="0"/>
+              <a:t>S</a:t>
+            </a:r>
+            <a:r>
+              <a:rPr lang="de-AT" sz="2600" dirty="0"/>
+              <a:t>ingle-</a:t>
+            </a:r>
+            <a:r>
+              <a:rPr lang="de-AT" sz="2600" dirty="0" err="1"/>
+              <a:t>Responsibility</a:t>
+            </a:r>
+            <a:r>
+              <a:rPr lang="de-AT" sz="2600" dirty="0"/>
+              <a:t>-Prinzip</a:t>
+            </a:r>
+          </a:p>
+          <a:p>
+            <a:r>
+              <a:rPr lang="de-AT" sz="2600" b="1" dirty="0"/>
+              <a:t>O</a:t>
+            </a:r>
+            <a:r>
+              <a:rPr lang="de-AT" sz="2600" dirty="0"/>
+              <a:t>pen-</a:t>
+            </a:r>
+            <a:r>
+              <a:rPr lang="de-AT" sz="2600" dirty="0" err="1"/>
+              <a:t>Closed</a:t>
+            </a:r>
+            <a:r>
+              <a:rPr lang="de-AT" sz="2600" dirty="0"/>
+              <a:t>-Prinzip</a:t>
+            </a:r>
+          </a:p>
+          <a:p>
+            <a:r>
+              <a:rPr lang="de-AT" sz="2600" b="1" dirty="0" err="1"/>
+              <a:t>L</a:t>
+            </a:r>
+            <a:r>
+              <a:rPr lang="de-AT" sz="2600" dirty="0" err="1"/>
+              <a:t>iskov</a:t>
+            </a:r>
+            <a:r>
+              <a:rPr lang="de-AT" sz="2600" dirty="0"/>
+              <a:t> Substitution </a:t>
+            </a:r>
+            <a:r>
+              <a:rPr lang="de-AT" sz="2600" dirty="0" err="1"/>
+              <a:t>Principle</a:t>
+            </a:r>
+            <a:endParaRPr lang="de-AT" sz="2600" dirty="0"/>
+          </a:p>
+          <a:p>
+            <a:r>
+              <a:rPr lang="de-AT" sz="2600" b="1" dirty="0"/>
+              <a:t>I</a:t>
+            </a:r>
+            <a:r>
+              <a:rPr lang="de-AT" sz="2600" dirty="0"/>
+              <a:t>nterface Segregation </a:t>
+            </a:r>
+            <a:r>
+              <a:rPr lang="de-AT" sz="2600" dirty="0" err="1"/>
+              <a:t>Principle</a:t>
+            </a:r>
+            <a:endParaRPr lang="de-AT" sz="2600" dirty="0"/>
+          </a:p>
+          <a:p>
+            <a:r>
+              <a:rPr lang="de-AT" sz="2600" b="1" dirty="0" err="1"/>
+              <a:t>D</a:t>
+            </a:r>
+            <a:r>
+              <a:rPr lang="de-AT" sz="2600" dirty="0" err="1"/>
+              <a:t>ependency</a:t>
+            </a:r>
+            <a:r>
+              <a:rPr lang="de-AT" sz="2600" dirty="0"/>
+              <a:t> Inversion </a:t>
+            </a:r>
+            <a:r>
+              <a:rPr lang="de-AT" sz="2600" dirty="0" err="1"/>
+              <a:t>Principle</a:t>
+            </a:r>
+            <a:endParaRPr lang="de-AT" sz="2600" dirty="0"/>
+          </a:p>
+        </p:txBody>
+      </p:sp>
+    </p:spTree>
+    <p:extLst>
+      <p:ext uri="{BB962C8B-B14F-4D97-AF65-F5344CB8AC3E}">
+        <p14:creationId xmlns:p14="http://schemas.microsoft.com/office/powerpoint/2010/main" val="2821002160"/>
       </p:ext>
     </p:extLst>
   </p:cSld>
